--- a/Slides/04 - Recurrent Neural Networks.pptx
+++ b/Slides/04 - Recurrent Neural Networks.pptx
@@ -239,7 +239,7 @@
           <a:p>
             <a:fld id="{8CD26A2A-0A96-0647-84E5-C82F2EFD9474}" type="datetimeFigureOut">
               <a:rPr lang="en-US" smtClean="0"/>
-              <a:t>7/31/2023</a:t>
+              <a:t>7/17/2024</a:t>
             </a:fld>
             <a:endParaRPr lang="en-US" dirty="0"/>
           </a:p>
@@ -416,7 +416,7 @@
           <a:p>
             <a:fld id="{A2B40C3B-E28A-4854-8EDA-E7F8F6F6FFEF}" type="datetimeFigureOut">
               <a:rPr lang="zh-CN" altLang="en-US" smtClean="0"/>
-              <a:t>2023/7/31</a:t>
+              <a:t>2024/7/17</a:t>
             </a:fld>
             <a:endParaRPr lang="zh-CN" altLang="en-US"/>
           </a:p>
@@ -13532,7 +13532,7 @@
           <a:p>
             <a:fld id="{09E5C060-5D66-4E28-B08A-91AD88D733E3}" type="datetime1">
               <a:rPr lang="en-US" smtClean="0"/>
-              <a:t>7/31/2023</a:t>
+              <a:t>7/17/2024</a:t>
             </a:fld>
             <a:endParaRPr lang="en-US"/>
           </a:p>
@@ -22772,7 +22772,7 @@
         <p:spPr>
           <a:xfrm>
             <a:off x="838200" y="1825625"/>
-            <a:ext cx="5926080" cy="4351338"/>
+            <a:ext cx="5820821" cy="4351338"/>
           </a:xfrm>
         </p:spPr>
         <p:txBody>
@@ -22785,13 +22785,13 @@
               </a:spcAft>
             </a:pPr>
             <a:r>
-              <a:rPr lang="en-US" sz="2400" dirty="0"/>
+              <a:rPr lang="en-US" dirty="0"/>
               <a:t>We need something more specialized for time-series data (e.g., NLP, stock market, physiological responses, video sequences)</a:t>
             </a:r>
           </a:p>
           <a:p>
             <a:r>
-              <a:rPr lang="en-US" sz="2400" dirty="0"/>
+              <a:rPr lang="en-US" dirty="0"/>
               <a:t>FCNs and CNNs are an alternative. However, they do not exploit potential temporal information. They are memoryless.</a:t>
             </a:r>
           </a:p>
@@ -22826,203 +22826,111 @@
           </a:p>
         </p:txBody>
       </p:sp>
-      <p:grpSp>
-        <p:nvGrpSpPr>
-          <p:cNvPr id="6" name="Group 5">
+      <p:pic>
+        <p:nvPicPr>
+          <p:cNvPr id="8" name="Picture 7">
             <a:extLst>
               <a:ext uri="{FF2B5EF4-FFF2-40B4-BE49-F238E27FC236}">
-                <a16:creationId xmlns:a16="http://schemas.microsoft.com/office/drawing/2014/main" id="{83C245AF-A632-4022-9332-4DD427D50DC3}"/>
+                <a16:creationId xmlns:a16="http://schemas.microsoft.com/office/drawing/2014/main" id="{DFF202F3-74BD-47D5-9863-FEE4C9020D8D}"/>
               </a:ext>
             </a:extLst>
           </p:cNvPr>
-          <p:cNvGrpSpPr/>
+          <p:cNvPicPr>
+            <a:picLocks noChangeAspect="1"/>
+          </p:cNvPicPr>
           <p:nvPr/>
-        </p:nvGrpSpPr>
-        <p:grpSpPr>
+        </p:nvPicPr>
+        <p:blipFill rotWithShape="1">
+          <a:blip r:embed="rId3"/>
+          <a:srcRect l="61712" t="60019"/>
+          <a:stretch/>
+        </p:blipFill>
+        <p:spPr>
           <a:xfrm>
-            <a:off x="6800170" y="1705608"/>
-            <a:ext cx="4852591" cy="3285616"/>
-            <a:chOff x="5160323" y="1448921"/>
-            <a:chExt cx="3639443" cy="2464212"/>
+            <a:off x="6961722" y="1896336"/>
+            <a:ext cx="5012757" cy="2052968"/>
           </a:xfrm>
-        </p:grpSpPr>
-        <p:pic>
-          <p:nvPicPr>
-            <p:cNvPr id="7" name="Picture 6">
-              <a:extLst>
-                <a:ext uri="{FF2B5EF4-FFF2-40B4-BE49-F238E27FC236}">
-                  <a16:creationId xmlns:a16="http://schemas.microsoft.com/office/drawing/2014/main" id="{2EA6B88A-B39C-48B2-91F9-1F584989630C}"/>
-                </a:ext>
-              </a:extLst>
-            </p:cNvPr>
-            <p:cNvPicPr>
-              <a:picLocks noChangeAspect="1"/>
-            </p:cNvPicPr>
-            <p:nvPr/>
-          </p:nvPicPr>
-          <p:blipFill>
-            <a:blip r:embed="rId3">
-              <a:extLst>
-                <a:ext uri="{28A0092B-C50C-407E-A947-70E740481C1C}">
-                  <a14:useLocalDpi xmlns:a14="http://schemas.microsoft.com/office/drawing/2010/main" val="0"/>
-                </a:ext>
-              </a:extLst>
-            </a:blip>
-            <a:stretch>
-              <a:fillRect/>
-            </a:stretch>
-          </p:blipFill>
-          <p:spPr>
-            <a:xfrm>
-              <a:off x="5555293" y="1449913"/>
-              <a:ext cx="3244473" cy="923496"/>
-            </a:xfrm>
-            <a:prstGeom prst="rect">
-              <a:avLst/>
-            </a:prstGeom>
-          </p:spPr>
-        </p:pic>
-        <p:pic>
-          <p:nvPicPr>
-            <p:cNvPr id="8" name="Picture 7">
-              <a:extLst>
-                <a:ext uri="{FF2B5EF4-FFF2-40B4-BE49-F238E27FC236}">
-                  <a16:creationId xmlns:a16="http://schemas.microsoft.com/office/drawing/2014/main" id="{DFF202F3-74BD-47D5-9863-FEE4C9020D8D}"/>
-                </a:ext>
-              </a:extLst>
-            </p:cNvPr>
-            <p:cNvPicPr>
-              <a:picLocks noChangeAspect="1"/>
-            </p:cNvPicPr>
-            <p:nvPr/>
-          </p:nvPicPr>
-          <p:blipFill rotWithShape="1">
-            <a:blip r:embed="rId4"/>
-            <a:srcRect l="61712" t="60019"/>
-            <a:stretch/>
-          </p:blipFill>
-          <p:spPr>
-            <a:xfrm>
-              <a:off x="5248405" y="2373408"/>
-              <a:ext cx="3501025" cy="1433840"/>
-            </a:xfrm>
-            <a:prstGeom prst="rect">
-              <a:avLst/>
-            </a:prstGeom>
-          </p:spPr>
-        </p:pic>
-        <p:sp>
-          <p:nvSpPr>
-            <p:cNvPr id="9" name="TextBox 8">
-              <a:extLst>
-                <a:ext uri="{FF2B5EF4-FFF2-40B4-BE49-F238E27FC236}">
-                  <a16:creationId xmlns:a16="http://schemas.microsoft.com/office/drawing/2014/main" id="{26A1A643-3F51-4195-909E-35769FCCEBB3}"/>
-                </a:ext>
-              </a:extLst>
-            </p:cNvPr>
-            <p:cNvSpPr txBox="1"/>
-            <p:nvPr/>
-          </p:nvSpPr>
-          <p:spPr>
-            <a:xfrm rot="16200000">
-              <a:off x="5016634" y="1737487"/>
-              <a:ext cx="815707" cy="238575"/>
-            </a:xfrm>
-            <a:prstGeom prst="rect">
-              <a:avLst/>
-            </a:prstGeom>
-            <a:noFill/>
-          </p:spPr>
-          <p:txBody>
-            <a:bodyPr wrap="square" rtlCol="0">
-              <a:spAutoFit/>
-            </a:bodyPr>
-            <a:lstStyle/>
-            <a:p>
-              <a:r>
-                <a:rPr lang="en-US" sz="1467" dirty="0"/>
-                <a:t>EKG Signal</a:t>
-              </a:r>
-            </a:p>
-          </p:txBody>
-        </p:sp>
-        <p:sp>
-          <p:nvSpPr>
-            <p:cNvPr id="10" name="TextBox 9">
-              <a:extLst>
-                <a:ext uri="{FF2B5EF4-FFF2-40B4-BE49-F238E27FC236}">
-                  <a16:creationId xmlns:a16="http://schemas.microsoft.com/office/drawing/2014/main" id="{51554EE5-2BDF-441C-819D-1E25DB8BFCFB}"/>
-                </a:ext>
-              </a:extLst>
-            </p:cNvPr>
-            <p:cNvSpPr txBox="1"/>
-            <p:nvPr/>
-          </p:nvSpPr>
-          <p:spPr>
-            <a:xfrm rot="16200000">
-              <a:off x="4939131" y="2483237"/>
-              <a:ext cx="887861" cy="407900"/>
-            </a:xfrm>
-            <a:prstGeom prst="rect">
-              <a:avLst/>
-            </a:prstGeom>
-            <a:solidFill>
-              <a:schemeClr val="bg1"/>
-            </a:solidFill>
-          </p:spPr>
-          <p:txBody>
-            <a:bodyPr wrap="square" rtlCol="0">
-              <a:spAutoFit/>
-            </a:bodyPr>
-            <a:lstStyle/>
-            <a:p>
-              <a:pPr algn="ctr"/>
-              <a:r>
-                <a:rPr lang="en-US" sz="1467" dirty="0"/>
-                <a:t>Activity Recognition</a:t>
-              </a:r>
-            </a:p>
-          </p:txBody>
-        </p:sp>
-        <p:sp>
-          <p:nvSpPr>
-            <p:cNvPr id="11" name="TextBox 10">
-              <a:extLst>
-                <a:ext uri="{FF2B5EF4-FFF2-40B4-BE49-F238E27FC236}">
-                  <a16:creationId xmlns:a16="http://schemas.microsoft.com/office/drawing/2014/main" id="{63573A35-26C7-4BA1-8EBC-911FB4BD1A21}"/>
-                </a:ext>
-              </a:extLst>
-            </p:cNvPr>
-            <p:cNvSpPr txBox="1"/>
-            <p:nvPr/>
-          </p:nvSpPr>
-          <p:spPr>
-            <a:xfrm rot="16200000">
-              <a:off x="4920342" y="3265253"/>
-              <a:ext cx="887861" cy="407900"/>
-            </a:xfrm>
-            <a:prstGeom prst="rect">
-              <a:avLst/>
-            </a:prstGeom>
-            <a:solidFill>
-              <a:schemeClr val="bg1"/>
-            </a:solidFill>
-          </p:spPr>
-          <p:txBody>
-            <a:bodyPr wrap="square" rtlCol="0">
-              <a:spAutoFit/>
-            </a:bodyPr>
-            <a:lstStyle/>
-            <a:p>
-              <a:pPr algn="ctr"/>
-              <a:r>
-                <a:rPr lang="en-US" sz="1467" dirty="0"/>
-                <a:t>Heart Rate Prediction</a:t>
-              </a:r>
-            </a:p>
-          </p:txBody>
-        </p:sp>
-      </p:grpSp>
+          <a:prstGeom prst="rect">
+            <a:avLst/>
+          </a:prstGeom>
+        </p:spPr>
+      </p:pic>
+      <p:sp>
+        <p:nvSpPr>
+          <p:cNvPr id="10" name="TextBox 9">
+            <a:extLst>
+              <a:ext uri="{FF2B5EF4-FFF2-40B4-BE49-F238E27FC236}">
+                <a16:creationId xmlns:a16="http://schemas.microsoft.com/office/drawing/2014/main" id="{51554EE5-2BDF-441C-819D-1E25DB8BFCFB}"/>
+              </a:ext>
+            </a:extLst>
+          </p:cNvPr>
+          <p:cNvSpPr txBox="1"/>
+          <p:nvPr/>
+        </p:nvSpPr>
+        <p:spPr>
+          <a:xfrm rot="16200000">
+            <a:off x="6549357" y="2042775"/>
+            <a:ext cx="1183815" cy="543867"/>
+          </a:xfrm>
+          <a:prstGeom prst="rect">
+            <a:avLst/>
+          </a:prstGeom>
+          <a:solidFill>
+            <a:schemeClr val="bg1"/>
+          </a:solidFill>
+        </p:spPr>
+        <p:txBody>
+          <a:bodyPr wrap="square" rtlCol="0">
+            <a:spAutoFit/>
+          </a:bodyPr>
+          <a:lstStyle/>
+          <a:p>
+            <a:pPr algn="ctr"/>
+            <a:r>
+              <a:rPr lang="en-US" sz="1467" dirty="0"/>
+              <a:t>Activity Recognition</a:t>
+            </a:r>
+          </a:p>
+        </p:txBody>
+      </p:sp>
+      <p:sp>
+        <p:nvSpPr>
+          <p:cNvPr id="11" name="TextBox 10">
+            <a:extLst>
+              <a:ext uri="{FF2B5EF4-FFF2-40B4-BE49-F238E27FC236}">
+                <a16:creationId xmlns:a16="http://schemas.microsoft.com/office/drawing/2014/main" id="{63573A35-26C7-4BA1-8EBC-911FB4BD1A21}"/>
+              </a:ext>
+            </a:extLst>
+          </p:cNvPr>
+          <p:cNvSpPr txBox="1"/>
+          <p:nvPr/>
+        </p:nvSpPr>
+        <p:spPr>
+          <a:xfrm rot="16200000">
+            <a:off x="6524305" y="3085463"/>
+            <a:ext cx="1183815" cy="543867"/>
+          </a:xfrm>
+          <a:prstGeom prst="rect">
+            <a:avLst/>
+          </a:prstGeom>
+          <a:solidFill>
+            <a:schemeClr val="bg1"/>
+          </a:solidFill>
+        </p:spPr>
+        <p:txBody>
+          <a:bodyPr wrap="square" rtlCol="0">
+            <a:spAutoFit/>
+          </a:bodyPr>
+          <a:lstStyle/>
+          <a:p>
+            <a:pPr algn="ctr"/>
+            <a:r>
+              <a:rPr lang="en-US" sz="1467" dirty="0"/>
+              <a:t>Heart Rate Prediction</a:t>
+            </a:r>
+          </a:p>
+        </p:txBody>
+      </p:sp>
       <p:pic>
         <p:nvPicPr>
           <p:cNvPr id="5" name="Picture 4">
@@ -23038,13 +22946,13 @@
           <p:nvPr/>
         </p:nvPicPr>
         <p:blipFill rotWithShape="1">
-          <a:blip r:embed="rId4"/>
+          <a:blip r:embed="rId3"/>
           <a:srcRect l="64743" t="81681"/>
           <a:stretch/>
         </p:blipFill>
         <p:spPr>
           <a:xfrm>
-            <a:off x="1671003" y="4739536"/>
+            <a:off x="4509806" y="4260313"/>
             <a:ext cx="4298430" cy="875940"/>
           </a:xfrm>
           <a:prstGeom prst="rect">
@@ -23066,7 +22974,7 @@
         </p:nvSpPr>
         <p:spPr>
           <a:xfrm>
-            <a:off x="4112077" y="5615476"/>
+            <a:off x="6950880" y="5136253"/>
             <a:ext cx="807396" cy="45719"/>
           </a:xfrm>
           <a:prstGeom prst="rect">
@@ -23112,7 +23020,7 @@
         </p:nvSpPr>
         <p:spPr>
           <a:xfrm>
-            <a:off x="3236020" y="5615476"/>
+            <a:off x="6074823" y="5136253"/>
             <a:ext cx="807396" cy="45719"/>
           </a:xfrm>
           <a:prstGeom prst="rect">
@@ -23158,7 +23066,7 @@
         </p:nvSpPr>
         <p:spPr>
           <a:xfrm>
-            <a:off x="2359963" y="5615476"/>
+            <a:off x="5198766" y="5136253"/>
             <a:ext cx="807396" cy="45719"/>
           </a:xfrm>
           <a:prstGeom prst="rect">
@@ -23204,7 +23112,7 @@
         </p:nvSpPr>
         <p:spPr>
           <a:xfrm>
-            <a:off x="4988134" y="5615476"/>
+            <a:off x="7826937" y="5136253"/>
             <a:ext cx="807396" cy="45719"/>
           </a:xfrm>
           <a:prstGeom prst="rect">
@@ -23250,10 +23158,10 @@
         </p:nvGrpSpPr>
         <p:grpSpPr>
           <a:xfrm>
-            <a:off x="5391832" y="5250165"/>
-            <a:ext cx="2928292" cy="1484149"/>
-            <a:chOff x="5391832" y="4930575"/>
-            <a:chExt cx="2928292" cy="1484149"/>
+            <a:off x="7332806" y="4770942"/>
+            <a:ext cx="3304260" cy="1484149"/>
+            <a:chOff x="5015864" y="4930575"/>
+            <a:chExt cx="3304260" cy="1484149"/>
           </a:xfrm>
         </p:grpSpPr>
         <p:grpSp>
@@ -23270,10 +23178,10 @@
           </p:nvGrpSpPr>
           <p:grpSpPr>
             <a:xfrm>
-              <a:off x="5391832" y="4930575"/>
-              <a:ext cx="2928292" cy="1453984"/>
-              <a:chOff x="5391832" y="4930575"/>
-              <a:chExt cx="2928292" cy="1453984"/>
+              <a:off x="5015864" y="4930575"/>
+              <a:ext cx="3304260" cy="1453984"/>
+              <a:chOff x="5015864" y="4930575"/>
+              <a:chExt cx="3304260" cy="1453984"/>
             </a:xfrm>
           </p:grpSpPr>
           <p:pic>
@@ -23291,7 +23199,7 @@
               <p:nvPr/>
             </p:nvPicPr>
             <p:blipFill rotWithShape="1">
-              <a:blip r:embed="rId5">
+              <a:blip r:embed="rId4">
                 <a:extLst>
                   <a:ext uri="{28A0092B-C50C-407E-A947-70E740481C1C}">
                     <a14:useLocalDpi xmlns:a14="http://schemas.microsoft.com/office/drawing/2010/main" val="0"/>
@@ -23321,13 +23229,13 @@
                 </a:extLst>
               </p:cNvPr>
               <p:cNvCxnSpPr>
-                <a:stCxn id="13" idx="2"/>
+                <a:cxnSpLocks/>
               </p:cNvCxnSpPr>
               <p:nvPr/>
             </p:nvCxnSpPr>
             <p:spPr>
               <a:xfrm rot="16200000" flipH="1">
-                <a:off x="5679486" y="5373541"/>
+                <a:off x="5303518" y="5052863"/>
                 <a:ext cx="407442" cy="982750"/>
               </a:xfrm>
               <a:prstGeom prst="bentConnector2">
@@ -23802,7 +23710,7 @@
             <a:avLst/>
           </a:prstGeom>
           <a:solidFill>
-            <a:schemeClr val="accent2">
+            <a:schemeClr val="accent3">
               <a:lumMod val="20000"/>
               <a:lumOff val="80000"/>
             </a:schemeClr>
@@ -27363,7 +27271,7 @@
             <a:avLst/>
           </a:prstGeom>
           <a:solidFill>
-            <a:schemeClr val="accent2">
+            <a:schemeClr val="accent3">
               <a:lumMod val="20000"/>
               <a:lumOff val="80000"/>
             </a:schemeClr>
@@ -27393,7 +27301,7 @@
           <a:lstStyle/>
           <a:p>
             <a:pPr algn="ctr"/>
-            <a:endParaRPr lang="en-US" dirty="0"/>
+            <a:endParaRPr lang="en-US" sz="1600" dirty="0"/>
           </a:p>
         </p:txBody>
       </p:sp>
@@ -27418,7 +27326,7 @@
             <a:avLst/>
           </a:prstGeom>
           <a:solidFill>
-            <a:schemeClr val="accent2">
+            <a:schemeClr val="accent3">
               <a:lumMod val="20000"/>
               <a:lumOff val="80000"/>
             </a:schemeClr>
@@ -27448,7 +27356,7 @@
           <a:lstStyle/>
           <a:p>
             <a:pPr algn="ctr"/>
-            <a:endParaRPr lang="en-US" dirty="0"/>
+            <a:endParaRPr lang="en-US" sz="1600" dirty="0"/>
           </a:p>
         </p:txBody>
       </p:sp>
@@ -27473,7 +27381,7 @@
             <a:avLst/>
           </a:prstGeom>
           <a:solidFill>
-            <a:schemeClr val="accent2">
+            <a:schemeClr val="accent3">
               <a:lumMod val="20000"/>
               <a:lumOff val="80000"/>
             </a:schemeClr>
@@ -27503,7 +27411,7 @@
           <a:lstStyle/>
           <a:p>
             <a:pPr algn="ctr"/>
-            <a:endParaRPr lang="en-US" dirty="0"/>
+            <a:endParaRPr lang="en-US" sz="1600" dirty="0"/>
           </a:p>
         </p:txBody>
       </p:sp>
@@ -27528,7 +27436,7 @@
             <a:avLst/>
           </a:prstGeom>
           <a:solidFill>
-            <a:schemeClr val="accent2">
+            <a:schemeClr val="accent3">
               <a:lumMod val="20000"/>
               <a:lumOff val="80000"/>
             </a:schemeClr>
@@ -27558,7 +27466,7 @@
           <a:lstStyle/>
           <a:p>
             <a:pPr algn="ctr"/>
-            <a:endParaRPr lang="en-US"/>
+            <a:endParaRPr lang="en-US" sz="1600"/>
           </a:p>
         </p:txBody>
       </p:sp>
@@ -27578,14 +27486,19 @@
             <p:ph type="title"/>
           </p:nvPr>
         </p:nvSpPr>
-        <p:spPr/>
+        <p:spPr>
+          <a:xfrm>
+            <a:off x="658564" y="780631"/>
+            <a:ext cx="10515600" cy="995226"/>
+          </a:xfrm>
+        </p:spPr>
         <p:txBody>
           <a:bodyPr/>
           <a:lstStyle/>
           <a:p>
             <a:r>
               <a:rPr lang="en-US" dirty="0"/>
-              <a:t>Sample Variants of RNNs</a:t>
+              <a:t>Variants of RNNs</a:t>
             </a:r>
             <a:endParaRPr lang="en-US" b="0" dirty="0"/>
           </a:p>
@@ -27609,8 +27522,8 @@
         </p:nvSpPr>
         <p:spPr>
           <a:xfrm>
-            <a:off x="889249" y="1709500"/>
-            <a:ext cx="2058500" cy="1884916"/>
+            <a:off x="889248" y="1709500"/>
+            <a:ext cx="2115491" cy="1884916"/>
           </a:xfrm>
         </p:spPr>
         <p:txBody>
@@ -27623,7 +27536,7 @@
               <a:buNone/>
             </a:pPr>
             <a:r>
-              <a:rPr lang="en-US" sz="2200" dirty="0"/>
+              <a:rPr lang="en-US" sz="2000" dirty="0"/>
               <a:t>Predicting stock prices or physiological response</a:t>
             </a:r>
           </a:p>
@@ -27632,8 +27545,8 @@
               <a:buNone/>
             </a:pPr>
             <a:r>
-              <a:rPr lang="en-US" sz="2200" b="1" dirty="0"/>
-              <a:t>[Many to Many]</a:t>
+              <a:rPr lang="en-US" sz="2000" b="1" dirty="0"/>
+              <a:t>[Seq to Seq]</a:t>
             </a:r>
           </a:p>
         </p:txBody>
@@ -27947,12 +27860,12 @@
                 <a:buNone/>
               </a:pPr>
               <a:r>
-                <a:rPr lang="en-US" sz="2200" dirty="0"/>
+                <a:rPr lang="en-US" dirty="0"/>
                 <a:t>Sentiment score of a movie review </a:t>
               </a:r>
               <a:r>
-                <a:rPr lang="en-US" sz="2200" b="1" dirty="0"/>
-                <a:t>[Many to One]</a:t>
+                <a:rPr lang="en-US" b="1" dirty="0"/>
+                <a:t>[Seq to One]</a:t>
               </a:r>
             </a:p>
           </p:txBody>
@@ -28208,12 +28121,12 @@
                 <a:buNone/>
               </a:pPr>
               <a:r>
-                <a:rPr lang="en-US" sz="2200" dirty="0"/>
+                <a:rPr lang="en-US" dirty="0"/>
                 <a:t>Caption generation for an image </a:t>
               </a:r>
               <a:r>
-                <a:rPr lang="en-US" sz="2200" b="1" dirty="0"/>
-                <a:t>[One to Many]</a:t>
+                <a:rPr lang="en-US" b="1" dirty="0"/>
+                <a:t>[One to Seq]</a:t>
               </a:r>
             </a:p>
           </p:txBody>
@@ -28469,11 +28382,11 @@
                 <a:buNone/>
               </a:pPr>
               <a:r>
-                <a:rPr lang="en-US" sz="2200" dirty="0"/>
+                <a:rPr lang="en-US" dirty="0"/>
                 <a:t>Sentence translation </a:t>
               </a:r>
               <a:r>
-                <a:rPr lang="en-US" sz="2200" b="1" dirty="0"/>
+                <a:rPr lang="en-US" b="1" dirty="0"/>
                 <a:t>[Encoder-Decoder]</a:t>
               </a:r>
             </a:p>
@@ -28704,8 +28617,8 @@
           </a:p>
         </p:txBody>
       </p:sp>
-      <mc:AlternateContent xmlns:mc="http://schemas.openxmlformats.org/markup-compatibility/2006">
-        <mc:Choice xmlns:a14="http://schemas.microsoft.com/office/drawing/2010/main" Requires="a14">
+      <mc:AlternateContent xmlns:mc="http://schemas.openxmlformats.org/markup-compatibility/2006" xmlns:a14="http://schemas.microsoft.com/office/drawing/2010/main">
+        <mc:Choice Requires="a14">
           <p:sp>
             <p:nvSpPr>
               <p:cNvPr id="3" name="Content Placeholder 2">
@@ -28728,19 +28641,23 @@
               <a:lstStyle/>
               <a:p>
                 <a:r>
-                  <a:rPr lang="en-US" sz="2400" dirty="0"/>
+                  <a:rPr lang="en-US" dirty="0"/>
                   <a:t>Loss function </a:t>
                 </a:r>
                 <a14:m>
                   <m:oMath xmlns:m="http://schemas.openxmlformats.org/officeDocument/2006/math">
                     <m:r>
-                      <a:rPr lang="en-US" sz="2400" i="1"/>
+                      <a:rPr lang="en-US" i="1">
+                        <a:latin typeface="Cambria Math" panose="02040503050406030204" pitchFamily="18" charset="0"/>
+                      </a:rPr>
                       <m:t>𝐿</m:t>
                     </m:r>
                     <m:d>
                       <m:dPr>
                         <m:ctrlPr>
-                          <a:rPr lang="en-US" sz="2400" i="1"/>
+                          <a:rPr lang="en-US" i="1">
+                            <a:latin typeface="Cambria Math" panose="02040503050406030204" pitchFamily="18" charset="0"/>
+                          </a:rPr>
                         </m:ctrlPr>
                       </m:dPr>
                       <m:e>
@@ -28749,14 +28666,18 @@
                             <m:begChr m:val="{"/>
                             <m:endChr m:val="}"/>
                             <m:ctrlPr>
-                              <a:rPr lang="en-US" sz="2400" i="1"/>
+                              <a:rPr lang="en-US" i="1">
+                                <a:latin typeface="Cambria Math" panose="02040503050406030204" pitchFamily="18" charset="0"/>
+                              </a:rPr>
                             </m:ctrlPr>
                           </m:dPr>
                           <m:e>
                             <m:sSup>
                               <m:sSupPr>
                                 <m:ctrlPr>
-                                  <a:rPr lang="en-US" sz="2400" i="1"/>
+                                  <a:rPr lang="en-US" i="1">
+                                    <a:latin typeface="Cambria Math" panose="02040503050406030204" pitchFamily="18" charset="0"/>
+                                  </a:rPr>
                                 </m:ctrlPr>
                               </m:sSupPr>
                               <m:e>
@@ -28764,12 +28685,16 @@
                                   <m:accPr>
                                     <m:chr m:val="̂"/>
                                     <m:ctrlPr>
-                                      <a:rPr lang="en-US" sz="2400" b="0" i="1" smtClean="0"/>
+                                      <a:rPr lang="en-US" b="0" i="1" smtClean="0">
+                                        <a:latin typeface="Cambria Math" panose="02040503050406030204" pitchFamily="18" charset="0"/>
+                                      </a:rPr>
                                     </m:ctrlPr>
                                   </m:accPr>
                                   <m:e>
                                     <m:r>
-                                      <a:rPr lang="en-US" sz="2400" b="0" i="1" smtClean="0"/>
+                                      <a:rPr lang="en-US" b="0" i="1" smtClean="0">
+                                        <a:latin typeface="Cambria Math" panose="02040503050406030204" pitchFamily="18" charset="0"/>
+                                      </a:rPr>
                                       <m:t>𝑦</m:t>
                                     </m:r>
                                   </m:e>
@@ -28779,12 +28704,16 @@
                                 <m:d>
                                   <m:dPr>
                                     <m:ctrlPr>
-                                      <a:rPr lang="en-US" sz="2400" i="1"/>
+                                      <a:rPr lang="en-US" i="1">
+                                        <a:latin typeface="Cambria Math" panose="02040503050406030204" pitchFamily="18" charset="0"/>
+                                      </a:rPr>
                                     </m:ctrlPr>
                                   </m:dPr>
                                   <m:e>
                                     <m:r>
-                                      <a:rPr lang="en-US" sz="2400" i="1"/>
+                                      <a:rPr lang="en-US" i="1">
+                                        <a:latin typeface="Cambria Math" panose="02040503050406030204" pitchFamily="18" charset="0"/>
+                                      </a:rPr>
                                       <m:t>1</m:t>
                                     </m:r>
                                   </m:e>
@@ -28792,13 +28721,17 @@
                               </m:sup>
                             </m:sSup>
                             <m:r>
-                              <a:rPr lang="en-US" sz="2400" i="1"/>
+                              <a:rPr lang="en-US" i="1">
+                                <a:latin typeface="Cambria Math" panose="02040503050406030204" pitchFamily="18" charset="0"/>
+                              </a:rPr>
                               <m:t>,…, </m:t>
                             </m:r>
                             <m:sSup>
                               <m:sSupPr>
                                 <m:ctrlPr>
-                                  <a:rPr lang="en-US" sz="2400" i="1"/>
+                                  <a:rPr lang="en-US" i="1">
+                                    <a:latin typeface="Cambria Math" panose="02040503050406030204" pitchFamily="18" charset="0"/>
+                                  </a:rPr>
                                 </m:ctrlPr>
                               </m:sSupPr>
                               <m:e>
@@ -28806,12 +28739,16 @@
                                   <m:accPr>
                                     <m:chr m:val="̂"/>
                                     <m:ctrlPr>
-                                      <a:rPr lang="en-US" sz="2400" i="1"/>
+                                      <a:rPr lang="en-US" i="1">
+                                        <a:latin typeface="Cambria Math" panose="02040503050406030204" pitchFamily="18" charset="0"/>
+                                      </a:rPr>
                                     </m:ctrlPr>
                                   </m:accPr>
                                   <m:e>
                                     <m:r>
-                                      <a:rPr lang="en-US" sz="2400" i="1"/>
+                                      <a:rPr lang="en-US" i="1">
+                                        <a:latin typeface="Cambria Math" panose="02040503050406030204" pitchFamily="18" charset="0"/>
+                                      </a:rPr>
                                       <m:t>𝑦</m:t>
                                     </m:r>
                                   </m:e>
@@ -28821,12 +28758,16 @@
                                 <m:d>
                                   <m:dPr>
                                     <m:ctrlPr>
-                                      <a:rPr lang="en-US" sz="2400" i="1"/>
+                                      <a:rPr lang="en-US" i="1">
+                                        <a:latin typeface="Cambria Math" panose="02040503050406030204" pitchFamily="18" charset="0"/>
+                                      </a:rPr>
                                     </m:ctrlPr>
                                   </m:dPr>
                                   <m:e>
                                     <m:r>
-                                      <a:rPr lang="en-US" sz="2400" i="1"/>
+                                      <a:rPr lang="en-US" i="1">
+                                        <a:latin typeface="Cambria Math" panose="02040503050406030204" pitchFamily="18" charset="0"/>
+                                      </a:rPr>
                                       <m:t>𝜏</m:t>
                                     </m:r>
                                   </m:e>
@@ -28836,7 +28777,9 @@
                           </m:e>
                         </m:d>
                         <m:r>
-                          <a:rPr lang="en-US" sz="2400" i="1"/>
+                          <a:rPr lang="en-US" i="1">
+                            <a:latin typeface="Cambria Math" panose="02040503050406030204" pitchFamily="18" charset="0"/>
+                          </a:rPr>
                           <m:t>,</m:t>
                         </m:r>
                         <m:d>
@@ -28844,19 +28787,25 @@
                             <m:begChr m:val="{"/>
                             <m:endChr m:val="}"/>
                             <m:ctrlPr>
-                              <a:rPr lang="en-US" sz="2400" i="1"/>
+                              <a:rPr lang="en-US" i="1">
+                                <a:latin typeface="Cambria Math" panose="02040503050406030204" pitchFamily="18" charset="0"/>
+                              </a:rPr>
                             </m:ctrlPr>
                           </m:dPr>
                           <m:e>
                             <m:sSup>
                               <m:sSupPr>
                                 <m:ctrlPr>
-                                  <a:rPr lang="en-US" sz="2400" i="1"/>
+                                  <a:rPr lang="en-US" i="1">
+                                    <a:latin typeface="Cambria Math" panose="02040503050406030204" pitchFamily="18" charset="0"/>
+                                  </a:rPr>
                                 </m:ctrlPr>
                               </m:sSupPr>
                               <m:e>
                                 <m:r>
-                                  <a:rPr lang="en-US" sz="2400" b="0" i="1" smtClean="0"/>
+                                  <a:rPr lang="en-US" b="0" i="1" smtClean="0">
+                                    <a:latin typeface="Cambria Math" panose="02040503050406030204" pitchFamily="18" charset="0"/>
+                                  </a:rPr>
                                   <m:t>𝑦</m:t>
                                 </m:r>
                               </m:e>
@@ -28864,12 +28813,16 @@
                                 <m:d>
                                   <m:dPr>
                                     <m:ctrlPr>
-                                      <a:rPr lang="en-US" sz="2400" i="1"/>
+                                      <a:rPr lang="en-US" i="1">
+                                        <a:latin typeface="Cambria Math" panose="02040503050406030204" pitchFamily="18" charset="0"/>
+                                      </a:rPr>
                                     </m:ctrlPr>
                                   </m:dPr>
                                   <m:e>
                                     <m:r>
-                                      <a:rPr lang="en-US" sz="2400" i="1"/>
+                                      <a:rPr lang="en-US" i="1">
+                                        <a:latin typeface="Cambria Math" panose="02040503050406030204" pitchFamily="18" charset="0"/>
+                                      </a:rPr>
                                       <m:t>1</m:t>
                                     </m:r>
                                   </m:e>
@@ -28877,18 +28830,24 @@
                               </m:sup>
                             </m:sSup>
                             <m:r>
-                              <a:rPr lang="en-US" sz="2400" i="1"/>
+                              <a:rPr lang="en-US" i="1">
+                                <a:latin typeface="Cambria Math" panose="02040503050406030204" pitchFamily="18" charset="0"/>
+                              </a:rPr>
                               <m:t>,…, </m:t>
                             </m:r>
                             <m:sSup>
                               <m:sSupPr>
                                 <m:ctrlPr>
-                                  <a:rPr lang="en-US" sz="2400" i="1"/>
+                                  <a:rPr lang="en-US" i="1">
+                                    <a:latin typeface="Cambria Math" panose="02040503050406030204" pitchFamily="18" charset="0"/>
+                                  </a:rPr>
                                 </m:ctrlPr>
                               </m:sSupPr>
                               <m:e>
                                 <m:r>
-                                  <a:rPr lang="en-US" sz="2400" b="0" i="1" smtClean="0"/>
+                                  <a:rPr lang="en-US" b="0" i="1" smtClean="0">
+                                    <a:latin typeface="Cambria Math" panose="02040503050406030204" pitchFamily="18" charset="0"/>
+                                  </a:rPr>
                                   <m:t>𝑦</m:t>
                                 </m:r>
                               </m:e>
@@ -28896,12 +28855,16 @@
                                 <m:d>
                                   <m:dPr>
                                     <m:ctrlPr>
-                                      <a:rPr lang="en-US" sz="2400" i="1"/>
+                                      <a:rPr lang="en-US" i="1">
+                                        <a:latin typeface="Cambria Math" panose="02040503050406030204" pitchFamily="18" charset="0"/>
+                                      </a:rPr>
                                     </m:ctrlPr>
                                   </m:dPr>
                                   <m:e>
                                     <m:r>
-                                      <a:rPr lang="en-US" sz="2400" i="1"/>
+                                      <a:rPr lang="en-US" i="1">
+                                        <a:latin typeface="Cambria Math" panose="02040503050406030204" pitchFamily="18" charset="0"/>
+                                      </a:rPr>
                                       <m:t>𝜏</m:t>
                                     </m:r>
                                   </m:e>
@@ -28913,7 +28876,9 @@
                       </m:e>
                     </m:d>
                     <m:r>
-                      <a:rPr lang="en-US" sz="2400" i="1"/>
+                      <a:rPr lang="en-US" i="1">
+                        <a:latin typeface="Cambria Math" panose="02040503050406030204" pitchFamily="18" charset="0"/>
+                      </a:rPr>
                       <m:t>=</m:t>
                     </m:r>
                     <m:nary>
@@ -28921,7 +28886,9 @@
                         <m:chr m:val="∑"/>
                         <m:limLoc m:val="subSup"/>
                         <m:ctrlPr>
-                          <a:rPr lang="en-US" sz="2400" i="1" smtClean="0"/>
+                          <a:rPr lang="en-US" i="1" smtClean="0">
+                            <a:latin typeface="Cambria Math" panose="02040503050406030204" pitchFamily="18" charset="0"/>
+                          </a:rPr>
                         </m:ctrlPr>
                       </m:naryPr>
                       <m:sub>
@@ -28929,36 +28896,48 @@
                           <m:rPr>
                             <m:brk m:alnAt="25"/>
                           </m:rPr>
-                          <a:rPr lang="en-US" sz="2400" b="0" i="1" smtClean="0"/>
+                          <a:rPr lang="en-US" b="0" i="1" smtClean="0">
+                            <a:latin typeface="Cambria Math" panose="02040503050406030204" pitchFamily="18" charset="0"/>
+                          </a:rPr>
                           <m:t>𝑡</m:t>
                         </m:r>
                         <m:r>
-                          <a:rPr lang="en-US" sz="2400" b="0" i="1" smtClean="0"/>
+                          <a:rPr lang="en-US" b="0" i="1" smtClean="0">
+                            <a:latin typeface="Cambria Math" panose="02040503050406030204" pitchFamily="18" charset="0"/>
+                          </a:rPr>
                           <m:t>=1</m:t>
                         </m:r>
                       </m:sub>
                       <m:sup>
                         <m:r>
-                          <a:rPr lang="en-US" sz="2400" b="0" i="1" smtClean="0"/>
+                          <a:rPr lang="en-US" b="0" i="1" smtClean="0">
+                            <a:latin typeface="Cambria Math" panose="02040503050406030204" pitchFamily="18" charset="0"/>
+                          </a:rPr>
                           <m:t>𝜏</m:t>
                         </m:r>
                       </m:sup>
                       <m:e>
                         <m:r>
-                          <a:rPr lang="en-US" sz="2400" i="1"/>
+                          <a:rPr lang="en-US" i="1">
+                            <a:latin typeface="Cambria Math" panose="02040503050406030204" pitchFamily="18" charset="0"/>
+                          </a:rPr>
                           <m:t>𝐿</m:t>
                         </m:r>
                         <m:d>
                           <m:dPr>
                             <m:ctrlPr>
-                              <a:rPr lang="en-US" sz="2400" i="1"/>
+                              <a:rPr lang="en-US" i="1">
+                                <a:latin typeface="Cambria Math" panose="02040503050406030204" pitchFamily="18" charset="0"/>
+                              </a:rPr>
                             </m:ctrlPr>
                           </m:dPr>
                           <m:e>
                             <m:sSup>
                               <m:sSupPr>
                                 <m:ctrlPr>
-                                  <a:rPr lang="en-US" sz="2400" i="1"/>
+                                  <a:rPr lang="en-US" i="1">
+                                    <a:latin typeface="Cambria Math" panose="02040503050406030204" pitchFamily="18" charset="0"/>
+                                  </a:rPr>
                                 </m:ctrlPr>
                               </m:sSupPr>
                               <m:e>
@@ -28966,12 +28945,16 @@
                                   <m:accPr>
                                     <m:chr m:val="̂"/>
                                     <m:ctrlPr>
-                                      <a:rPr lang="en-US" sz="2400" i="1"/>
+                                      <a:rPr lang="en-US" i="1">
+                                        <a:latin typeface="Cambria Math" panose="02040503050406030204" pitchFamily="18" charset="0"/>
+                                      </a:rPr>
                                     </m:ctrlPr>
                                   </m:accPr>
                                   <m:e>
                                     <m:r>
-                                      <a:rPr lang="en-US" sz="2400" i="1"/>
+                                      <a:rPr lang="en-US" i="1">
+                                        <a:latin typeface="Cambria Math" panose="02040503050406030204" pitchFamily="18" charset="0"/>
+                                      </a:rPr>
                                       <m:t>𝑦</m:t>
                                     </m:r>
                                   </m:e>
@@ -28981,12 +28964,16 @@
                                 <m:d>
                                   <m:dPr>
                                     <m:ctrlPr>
-                                      <a:rPr lang="en-US" sz="2400" i="1"/>
+                                      <a:rPr lang="en-US" i="1">
+                                        <a:latin typeface="Cambria Math" panose="02040503050406030204" pitchFamily="18" charset="0"/>
+                                      </a:rPr>
                                     </m:ctrlPr>
                                   </m:dPr>
                                   <m:e>
                                     <m:r>
-                                      <a:rPr lang="en-US" sz="2400" i="1"/>
+                                      <a:rPr lang="en-US" i="1">
+                                        <a:latin typeface="Cambria Math" panose="02040503050406030204" pitchFamily="18" charset="0"/>
+                                      </a:rPr>
                                       <m:t>𝑡</m:t>
                                     </m:r>
                                   </m:e>
@@ -28994,18 +28981,24 @@
                               </m:sup>
                             </m:sSup>
                             <m:r>
-                              <a:rPr lang="en-US" sz="2400" i="1"/>
+                              <a:rPr lang="en-US" i="1">
+                                <a:latin typeface="Cambria Math" panose="02040503050406030204" pitchFamily="18" charset="0"/>
+                              </a:rPr>
                               <m:t>,</m:t>
                             </m:r>
                             <m:sSup>
                               <m:sSupPr>
                                 <m:ctrlPr>
-                                  <a:rPr lang="en-US" sz="2400" i="1"/>
+                                  <a:rPr lang="en-US" i="1">
+                                    <a:latin typeface="Cambria Math" panose="02040503050406030204" pitchFamily="18" charset="0"/>
+                                  </a:rPr>
                                 </m:ctrlPr>
                               </m:sSupPr>
                               <m:e>
                                 <m:r>
-                                  <a:rPr lang="en-US" sz="2400" i="1"/>
+                                  <a:rPr lang="en-US" i="1">
+                                    <a:latin typeface="Cambria Math" panose="02040503050406030204" pitchFamily="18" charset="0"/>
+                                  </a:rPr>
                                   <m:t>𝑦</m:t>
                                 </m:r>
                               </m:e>
@@ -29013,12 +29006,16 @@
                                 <m:d>
                                   <m:dPr>
                                     <m:ctrlPr>
-                                      <a:rPr lang="en-US" sz="2400" i="1"/>
+                                      <a:rPr lang="en-US" i="1">
+                                        <a:latin typeface="Cambria Math" panose="02040503050406030204" pitchFamily="18" charset="0"/>
+                                      </a:rPr>
                                     </m:ctrlPr>
                                   </m:dPr>
                                   <m:e>
                                     <m:r>
-                                      <a:rPr lang="en-US" sz="2400" i="1"/>
+                                      <a:rPr lang="en-US" i="1">
+                                        <a:latin typeface="Cambria Math" panose="02040503050406030204" pitchFamily="18" charset="0"/>
+                                      </a:rPr>
                                       <m:t>𝑡</m:t>
                                     </m:r>
                                   </m:e>
@@ -29031,18 +29028,18 @@
                     </m:nary>
                   </m:oMath>
                 </a14:m>
-                <a:endParaRPr lang="en-US" sz="2400" dirty="0"/>
+                <a:endParaRPr lang="en-US" dirty="0"/>
               </a:p>
               <a:p>
                 <a:r>
-                  <a:rPr lang="en-US" sz="2400" dirty="0"/>
-                  <a:t>For training for a sequence, we unroll the network through time with shared parameters and use regular backpropagation.</a:t>
+                  <a:rPr lang="en-US" dirty="0"/>
+                  <a:t>For training a sequence, we unroll the network through time with shared parameters and use regular backpropagation.</a:t>
                 </a:r>
               </a:p>
             </p:txBody>
           </p:sp>
         </mc:Choice>
-        <mc:Fallback>
+        <mc:Fallback xmlns="">
           <p:sp>
             <p:nvSpPr>
               <p:cNvPr id="3" name="Content Placeholder 2">
@@ -31502,6 +31499,10 @@
           <a:prstGeom prst="rect">
             <a:avLst/>
           </a:prstGeom>
+          <a:noFill/>
+          <a:ln>
+            <a:noFill/>
+          </a:ln>
           <a:extLst>
             <a:ext uri="{909E8E84-426E-40dd-AFC4-6F175D3DCCD1}">
               <a14:hiddenFill xmlns="" xmlns:a14="http://schemas.microsoft.com/office/drawing/2010/main">
@@ -31526,130 +31527,179 @@
           </a:extLst>
         </p:spPr>
         <p:txBody>
-          <a:bodyPr vert="horz" lIns="91440" tIns="45720" rIns="91440" bIns="45720" rtlCol="0">
-            <a:noAutofit/>
+          <a:bodyPr vert="horz" wrap="square" lIns="121920" tIns="60960" rIns="121920" bIns="60960" numCol="1" anchor="t" anchorCtr="0" compatLnSpc="1">
+            <a:prstTxWarp prst="textNoShape">
+              <a:avLst/>
+            </a:prstTxWarp>
           </a:bodyPr>
           <a:lstStyle>
-            <a:lvl1pPr marL="228600" indent="-228600">
-              <a:lnSpc>
-                <a:spcPct val="90000"/>
-              </a:lnSpc>
+            <a:lvl1pPr marL="342900" indent="-342900" algn="l" defTabSz="457200" rtl="0" eaLnBrk="1" fontAlgn="base" hangingPunct="1">
               <a:spcBef>
-                <a:spcPts val="1000"/>
+                <a:spcPct val="20000"/>
               </a:spcBef>
+              <a:spcAft>
+                <a:spcPct val="0"/>
+              </a:spcAft>
               <a:buFont typeface="Wingdings" panose="05000000000000000000" pitchFamily="2" charset="2"/>
               <a:buChar char="§"/>
-              <a:defRPr sz="2400">
+              <a:defRPr sz="2000" kern="1200">
                 <a:solidFill>
-                  <a:schemeClr val="accent6"/>
+                  <a:schemeClr val="tx1"/>
                 </a:solidFill>
+                <a:latin typeface="+mn-lt"/>
+                <a:ea typeface="ＭＳ Ｐゴシック" charset="0"/>
+                <a:cs typeface="Arial"/>
               </a:defRPr>
             </a:lvl1pPr>
-            <a:lvl2pPr marL="685800" indent="-228600">
-              <a:lnSpc>
-                <a:spcPct val="90000"/>
-              </a:lnSpc>
+            <a:lvl2pPr marL="742950" indent="-285750" algn="l" defTabSz="457200" rtl="0" eaLnBrk="1" fontAlgn="base" hangingPunct="1">
               <a:spcBef>
-                <a:spcPts val="500"/>
+                <a:spcPct val="20000"/>
               </a:spcBef>
-              <a:buFont typeface="Wingdings" panose="05000000000000000000" pitchFamily="2" charset="2"/>
-              <a:buChar char="§"/>
-              <a:defRPr sz="2000">
+              <a:spcAft>
+                <a:spcPct val="0"/>
+              </a:spcAft>
+              <a:buFont typeface="Arial" charset="0"/>
+              <a:buChar char="–"/>
+              <a:defRPr sz="1800" kern="1200">
                 <a:solidFill>
-                  <a:schemeClr val="accent6"/>
+                  <a:schemeClr val="tx1"/>
                 </a:solidFill>
+                <a:latin typeface="+mn-lt"/>
+                <a:ea typeface="ＭＳ Ｐゴシック" charset="0"/>
+                <a:cs typeface="Arial"/>
               </a:defRPr>
             </a:lvl2pPr>
-            <a:lvl3pPr marL="1143000" indent="-228600">
-              <a:lnSpc>
-                <a:spcPct val="90000"/>
-              </a:lnSpc>
+            <a:lvl3pPr marL="1143000" indent="-228600" algn="l" defTabSz="457200" rtl="0" eaLnBrk="1" fontAlgn="base" hangingPunct="1">
               <a:spcBef>
-                <a:spcPts val="500"/>
+                <a:spcPct val="20000"/>
               </a:spcBef>
-              <a:buFont typeface="Wingdings" panose="05000000000000000000" pitchFamily="2" charset="2"/>
-              <a:buChar char="§"/>
-              <a:defRPr sz="2000">
+              <a:spcAft>
+                <a:spcPct val="0"/>
+              </a:spcAft>
+              <a:buFont typeface="Arial" charset="0"/>
+              <a:buChar char="•"/>
+              <a:defRPr sz="1600" kern="1200">
                 <a:solidFill>
-                  <a:schemeClr val="accent6"/>
+                  <a:schemeClr val="tx1"/>
                 </a:solidFill>
+                <a:latin typeface="+mn-lt"/>
+                <a:ea typeface="ＭＳ Ｐゴシック" charset="0"/>
+                <a:cs typeface="Arial"/>
               </a:defRPr>
             </a:lvl3pPr>
-            <a:lvl4pPr marL="1600200" indent="-228600">
-              <a:lnSpc>
-                <a:spcPct val="90000"/>
-              </a:lnSpc>
+            <a:lvl4pPr marL="1600200" indent="-228600" algn="l" defTabSz="457200" rtl="0" eaLnBrk="1" fontAlgn="base" hangingPunct="1">
               <a:spcBef>
-                <a:spcPts val="500"/>
+                <a:spcPct val="20000"/>
               </a:spcBef>
-              <a:buFont typeface="Wingdings" panose="05000000000000000000" pitchFamily="2" charset="2"/>
-              <a:buChar char="§"/>
-              <a:defRPr sz="2000">
+              <a:spcAft>
+                <a:spcPct val="0"/>
+              </a:spcAft>
+              <a:buFont typeface="Arial" charset="0"/>
+              <a:buChar char="–"/>
+              <a:defRPr sz="1200" kern="1200">
                 <a:solidFill>
-                  <a:schemeClr val="accent6"/>
+                  <a:schemeClr val="tx1"/>
                 </a:solidFill>
+                <a:latin typeface="+mn-lt"/>
+                <a:ea typeface="ＭＳ Ｐゴシック" charset="0"/>
+                <a:cs typeface="Arial"/>
               </a:defRPr>
             </a:lvl4pPr>
-            <a:lvl5pPr marL="2057400" indent="-228600">
-              <a:lnSpc>
-                <a:spcPct val="90000"/>
-              </a:lnSpc>
+            <a:lvl5pPr marL="2057400" indent="-228600" algn="l" defTabSz="457200" rtl="0" eaLnBrk="1" fontAlgn="base" hangingPunct="1">
               <a:spcBef>
-                <a:spcPts val="500"/>
+                <a:spcPct val="20000"/>
               </a:spcBef>
-              <a:buFont typeface="Wingdings" panose="05000000000000000000" pitchFamily="2" charset="2"/>
-              <a:buChar char="§"/>
-              <a:defRPr sz="2000">
+              <a:spcAft>
+                <a:spcPct val="0"/>
+              </a:spcAft>
+              <a:buFont typeface="Arial" charset="0"/>
+              <a:buChar char="»"/>
+              <a:defRPr sz="900" kern="1200">
                 <a:solidFill>
-                  <a:schemeClr val="accent6"/>
+                  <a:schemeClr val="tx1"/>
                 </a:solidFill>
+                <a:latin typeface="+mn-lt"/>
+                <a:ea typeface="ＭＳ Ｐゴシック" charset="0"/>
+                <a:cs typeface="Arial"/>
               </a:defRPr>
             </a:lvl5pPr>
-            <a:lvl6pPr marL="2514600" indent="-228600">
-              <a:lnSpc>
-                <a:spcPct val="90000"/>
-              </a:lnSpc>
+            <a:lvl6pPr marL="2514600" indent="-228600" algn="l" defTabSz="457200" rtl="0" eaLnBrk="1" latinLnBrk="0" hangingPunct="1">
               <a:spcBef>
-                <a:spcPts val="500"/>
+                <a:spcPct val="20000"/>
               </a:spcBef>
-              <a:buFont typeface="Arial" panose="020B0604020202020204" pitchFamily="34" charset="0"/>
+              <a:buFont typeface="Arial"/>
               <a:buChar char="•"/>
+              <a:defRPr sz="2000" kern="1200">
+                <a:solidFill>
+                  <a:schemeClr val="tx1"/>
+                </a:solidFill>
+                <a:latin typeface="+mn-lt"/>
+                <a:ea typeface="+mn-ea"/>
+                <a:cs typeface="+mn-cs"/>
+              </a:defRPr>
             </a:lvl6pPr>
-            <a:lvl7pPr marL="2971800" indent="-228600">
-              <a:lnSpc>
-                <a:spcPct val="90000"/>
-              </a:lnSpc>
+            <a:lvl7pPr marL="2971800" indent="-228600" algn="l" defTabSz="457200" rtl="0" eaLnBrk="1" latinLnBrk="0" hangingPunct="1">
               <a:spcBef>
-                <a:spcPts val="500"/>
+                <a:spcPct val="20000"/>
               </a:spcBef>
-              <a:buFont typeface="Arial" panose="020B0604020202020204" pitchFamily="34" charset="0"/>
+              <a:buFont typeface="Arial"/>
               <a:buChar char="•"/>
+              <a:defRPr sz="2000" kern="1200">
+                <a:solidFill>
+                  <a:schemeClr val="tx1"/>
+                </a:solidFill>
+                <a:latin typeface="+mn-lt"/>
+                <a:ea typeface="+mn-ea"/>
+                <a:cs typeface="+mn-cs"/>
+              </a:defRPr>
             </a:lvl7pPr>
-            <a:lvl8pPr marL="3429000" indent="-228600">
-              <a:lnSpc>
-                <a:spcPct val="90000"/>
-              </a:lnSpc>
+            <a:lvl8pPr marL="3429000" indent="-228600" algn="l" defTabSz="457200" rtl="0" eaLnBrk="1" latinLnBrk="0" hangingPunct="1">
               <a:spcBef>
-                <a:spcPts val="500"/>
+                <a:spcPct val="20000"/>
               </a:spcBef>
-              <a:buFont typeface="Arial" panose="020B0604020202020204" pitchFamily="34" charset="0"/>
+              <a:buFont typeface="Arial"/>
               <a:buChar char="•"/>
+              <a:defRPr sz="2000" kern="1200">
+                <a:solidFill>
+                  <a:schemeClr val="tx1"/>
+                </a:solidFill>
+                <a:latin typeface="+mn-lt"/>
+                <a:ea typeface="+mn-ea"/>
+                <a:cs typeface="+mn-cs"/>
+              </a:defRPr>
             </a:lvl8pPr>
-            <a:lvl9pPr marL="3886200" indent="-228600">
-              <a:lnSpc>
-                <a:spcPct val="90000"/>
-              </a:lnSpc>
+            <a:lvl9pPr marL="3886200" indent="-228600" algn="l" defTabSz="457200" rtl="0" eaLnBrk="1" latinLnBrk="0" hangingPunct="1">
               <a:spcBef>
-                <a:spcPts val="500"/>
+                <a:spcPct val="20000"/>
               </a:spcBef>
-              <a:buFont typeface="Arial" panose="020B0604020202020204" pitchFamily="34" charset="0"/>
+              <a:buFont typeface="Arial"/>
               <a:buChar char="•"/>
+              <a:defRPr sz="2000" kern="1200">
+                <a:solidFill>
+                  <a:schemeClr val="tx1"/>
+                </a:solidFill>
+                <a:latin typeface="+mn-lt"/>
+                <a:ea typeface="+mn-ea"/>
+                <a:cs typeface="+mn-cs"/>
+              </a:defRPr>
             </a:lvl9pPr>
           </a:lstStyle>
           <a:p>
             <a:r>
-              <a:rPr lang="en-US" dirty="0"/>
-              <a:t>This strategy is referred to as Backpropagation Through Time (BPTT).</a:t>
+              <a:rPr lang="en-US" sz="2667" dirty="0"/>
+              <a:t>This strategy is referred to as </a:t>
+            </a:r>
+            <a:r>
+              <a:rPr lang="en-US" sz="2667" b="1" dirty="0">
+                <a:solidFill>
+                  <a:schemeClr val="accent2"/>
+                </a:solidFill>
+              </a:rPr>
+              <a:t>Backpropagation Through Time (BPTT)</a:t>
+            </a:r>
+            <a:r>
+              <a:rPr lang="en-US" sz="2667" dirty="0"/>
+              <a:t>.</a:t>
             </a:r>
           </a:p>
         </p:txBody>
@@ -40912,6 +40962,35 @@
 </file>
 
 <file path=customXml/item1.xml><?xml version="1.0" encoding="utf-8"?>
+<p:properties xmlns:p="http://schemas.microsoft.com/office/2006/metadata/properties" xmlns:xsi="http://www.w3.org/2001/XMLSchema-instance" xmlns:pc="http://schemas.microsoft.com/office/infopath/2007/PartnerControls">
+  <documentManagement>
+    <_ip_UnifiedCompliancePolicyUIAction xmlns="http://schemas.microsoft.com/sharepoint/v3" xsi:nil="true"/>
+    <Image xmlns="71af3243-3dd4-4a8d-8c0d-dd76da1f02a5">
+      <Url xsi:nil="true"/>
+      <Description xsi:nil="true"/>
+    </Image>
+    <Status xmlns="71af3243-3dd4-4a8d-8c0d-dd76da1f02a5">Not started</Status>
+    <Background xmlns="71af3243-3dd4-4a8d-8c0d-dd76da1f02a5">false</Background>
+    <_ip_UnifiedCompliancePolicyProperties xmlns="http://schemas.microsoft.com/sharepoint/v3" xsi:nil="true"/>
+    <ImageTagsTaxHTField xmlns="71af3243-3dd4-4a8d-8c0d-dd76da1f02a5">
+      <Terms xmlns="http://schemas.microsoft.com/office/infopath/2007/PartnerControls"/>
+    </ImageTagsTaxHTField>
+    <TaxCatchAll xmlns="230e9df3-be65-4c73-a93b-d1236ebd677e" xsi:nil="true"/>
+    <MediaServiceKeyPoints xmlns="71af3243-3dd4-4a8d-8c0d-dd76da1f02a5" xsi:nil="true"/>
+  </documentManagement>
+</p:properties>
+</file>
+
+<file path=customXml/item2.xml><?xml version="1.0" encoding="utf-8"?>
+<?mso-contentType ?>
+<FormTemplates xmlns="http://schemas.microsoft.com/sharepoint/v3/contenttype/forms">
+  <Display>DocumentLibraryForm</Display>
+  <Edit>DocumentLibraryForm</Edit>
+  <New>DocumentLibraryForm</New>
+</FormTemplates>
+</file>
+
+<file path=customXml/item3.xml><?xml version="1.0" encoding="utf-8"?>
 <ct:contentTypeSchema xmlns:ct="http://schemas.microsoft.com/office/2006/metadata/contentType" xmlns:ma="http://schemas.microsoft.com/office/2006/metadata/properties/metaAttributes" ct:_="" ma:_="" ma:contentTypeName="Document" ma:contentTypeID="0x01010079F111ED35F8CC479449609E8A0923A6" ma:contentTypeVersion="24" ma:contentTypeDescription="Create a new document." ma:contentTypeScope="" ma:versionID="2d714a3296df14eba7a100bb665443ca">
   <xsd:schema xmlns:xsd="http://www.w3.org/2001/XMLSchema" xmlns:xs="http://www.w3.org/2001/XMLSchema" xmlns:p="http://schemas.microsoft.com/office/2006/metadata/properties" xmlns:ns1="http://schemas.microsoft.com/sharepoint/v3" xmlns:ns2="71af3243-3dd4-4a8d-8c0d-dd76da1f02a5" xmlns:ns3="16c05727-aa75-4e4a-9b5f-8a80a1165891" xmlns:ns4="230e9df3-be65-4c73-a93b-d1236ebd677e" targetNamespace="http://schemas.microsoft.com/office/2006/metadata/properties" ma:root="true" ma:fieldsID="49549bf45bfbbfb6cffed527380e77e1" ns1:_="" ns2:_="" ns3:_="" ns4:_="">
     <xsd:import namespace="http://schemas.microsoft.com/sharepoint/v3"/>
@@ -41199,36 +41278,27 @@
 </ct:contentTypeSchema>
 </file>
 
-<file path=customXml/item2.xml><?xml version="1.0" encoding="utf-8"?>
-<?mso-contentType ?>
-<FormTemplates xmlns="http://schemas.microsoft.com/sharepoint/v3/contenttype/forms">
-  <Display>DocumentLibraryForm</Display>
-  <Edit>DocumentLibraryForm</Edit>
-  <New>DocumentLibraryForm</New>
-</FormTemplates>
+<file path=customXml/itemProps1.xml><?xml version="1.0" encoding="utf-8"?>
+<ds:datastoreItem xmlns:ds="http://schemas.openxmlformats.org/officeDocument/2006/customXml" ds:itemID="{B2C81503-9DEF-42F3-A99B-D5E0223E195B}">
+  <ds:schemaRefs>
+    <ds:schemaRef ds:uri="http://schemas.microsoft.com/office/2006/metadata/properties"/>
+    <ds:schemaRef ds:uri="http://schemas.microsoft.com/office/infopath/2007/PartnerControls"/>
+    <ds:schemaRef ds:uri="http://schemas.microsoft.com/sharepoint/v3"/>
+    <ds:schemaRef ds:uri="71af3243-3dd4-4a8d-8c0d-dd76da1f02a5"/>
+    <ds:schemaRef ds:uri="230e9df3-be65-4c73-a93b-d1236ebd677e"/>
+  </ds:schemaRefs>
+</ds:datastoreItem>
 </file>
 
-<file path=customXml/item3.xml><?xml version="1.0" encoding="utf-8"?>
-<p:properties xmlns:p="http://schemas.microsoft.com/office/2006/metadata/properties" xmlns:xsi="http://www.w3.org/2001/XMLSchema-instance" xmlns:pc="http://schemas.microsoft.com/office/infopath/2007/PartnerControls">
-  <documentManagement>
-    <_ip_UnifiedCompliancePolicyUIAction xmlns="http://schemas.microsoft.com/sharepoint/v3" xsi:nil="true"/>
-    <Image xmlns="71af3243-3dd4-4a8d-8c0d-dd76da1f02a5">
-      <Url xsi:nil="true"/>
-      <Description xsi:nil="true"/>
-    </Image>
-    <Status xmlns="71af3243-3dd4-4a8d-8c0d-dd76da1f02a5">Not started</Status>
-    <Background xmlns="71af3243-3dd4-4a8d-8c0d-dd76da1f02a5">false</Background>
-    <_ip_UnifiedCompliancePolicyProperties xmlns="http://schemas.microsoft.com/sharepoint/v3" xsi:nil="true"/>
-    <ImageTagsTaxHTField xmlns="71af3243-3dd4-4a8d-8c0d-dd76da1f02a5">
-      <Terms xmlns="http://schemas.microsoft.com/office/infopath/2007/PartnerControls"/>
-    </ImageTagsTaxHTField>
-    <TaxCatchAll xmlns="230e9df3-be65-4c73-a93b-d1236ebd677e" xsi:nil="true"/>
-    <MediaServiceKeyPoints xmlns="71af3243-3dd4-4a8d-8c0d-dd76da1f02a5" xsi:nil="true"/>
-  </documentManagement>
-</p:properties>
+<file path=customXml/itemProps2.xml><?xml version="1.0" encoding="utf-8"?>
+<ds:datastoreItem xmlns:ds="http://schemas.openxmlformats.org/officeDocument/2006/customXml" ds:itemID="{6F156100-9533-4411-B0C0-FA18F914F7B6}">
+  <ds:schemaRefs>
+    <ds:schemaRef ds:uri="http://schemas.microsoft.com/sharepoint/v3/contenttype/forms"/>
+  </ds:schemaRefs>
+</ds:datastoreItem>
 </file>
 
-<file path=customXml/itemProps1.xml><?xml version="1.0" encoding="utf-8"?>
+<file path=customXml/itemProps3.xml><?xml version="1.0" encoding="utf-8"?>
 <ds:datastoreItem xmlns:ds="http://schemas.openxmlformats.org/officeDocument/2006/customXml" ds:itemID="{76A4D1D3-B327-4D60-927D-26045FF4AF3C}">
   <ds:schemaRefs>
     <ds:schemaRef ds:uri="http://schemas.microsoft.com/office/2006/metadata/contentType"/>
@@ -41249,26 +41319,6 @@
 </ds:datastoreItem>
 </file>
 
-<file path=customXml/itemProps2.xml><?xml version="1.0" encoding="utf-8"?>
-<ds:datastoreItem xmlns:ds="http://schemas.openxmlformats.org/officeDocument/2006/customXml" ds:itemID="{6F156100-9533-4411-B0C0-FA18F914F7B6}">
-  <ds:schemaRefs>
-    <ds:schemaRef ds:uri="http://schemas.microsoft.com/sharepoint/v3/contenttype/forms"/>
-  </ds:schemaRefs>
-</ds:datastoreItem>
-</file>
-
-<file path=customXml/itemProps3.xml><?xml version="1.0" encoding="utf-8"?>
-<ds:datastoreItem xmlns:ds="http://schemas.openxmlformats.org/officeDocument/2006/customXml" ds:itemID="{B2C81503-9DEF-42F3-A99B-D5E0223E195B}">
-  <ds:schemaRefs>
-    <ds:schemaRef ds:uri="http://schemas.microsoft.com/office/2006/metadata/properties"/>
-    <ds:schemaRef ds:uri="http://schemas.microsoft.com/office/infopath/2007/PartnerControls"/>
-    <ds:schemaRef ds:uri="http://schemas.microsoft.com/sharepoint/v3"/>
-    <ds:schemaRef ds:uri="71af3243-3dd4-4a8d-8c0d-dd76da1f02a5"/>
-    <ds:schemaRef ds:uri="230e9df3-be65-4c73-a93b-d1236ebd677e"/>
-  </ds:schemaRefs>
-</ds:datastoreItem>
-</file>
-
 <file path=docMetadata/LabelInfo.xml><?xml version="1.0" encoding="utf-8"?>
 <clbl:labelList xmlns:clbl="http://schemas.microsoft.com/office/2020/mipLabelMetadata"/>
 </file>